--- a/hackathon_brocoders.pptx
+++ b/hackathon_brocoders.pptx
@@ -17797,21 +17797,44 @@
           <a:chExt cx="0" cy="0"/>
         </a:xfrm>
       </p:grpSpPr>
-      <p:sp useBgFill="1">
+      <p:sp>
         <p:nvSpPr>
-          <p:cNvPr id="23" name="Rectangle 22">
+          <p:cNvPr id="8" name="Title 7">
             <a:extLst>
               <a:ext uri="{FF2B5EF4-FFF2-40B4-BE49-F238E27FC236}">
-                <a16:creationId xmlns:a16="http://schemas.microsoft.com/office/drawing/2014/main" id="{53B021B3-DE93-4AB7-8A18-CF5F1CED88B8}"/>
-              </a:ext>
-              <a:ext uri="{C183D7F6-B498-43B3-948B-1728B52AA6E4}">
-                <adec:decorative xmlns:adec="http://schemas.microsoft.com/office/drawing/2017/decorative" val="1"/>
+                <a16:creationId xmlns:a16="http://schemas.microsoft.com/office/drawing/2014/main" id="{FBE4CD01-FDD6-74B6-848B-7FFF4F607F44}"/>
               </a:ext>
             </a:extLst>
           </p:cNvPr>
           <p:cNvSpPr>
-            <a:spLocks noGrp="1" noRot="1" noChangeAspect="1" noMove="1" noResize="1" noEditPoints="1" noAdjustHandles="1" noChangeArrowheads="1" noChangeShapeType="1" noTextEdit="1"/>
+            <a:spLocks noGrp="1"/>
           </p:cNvSpPr>
+          <p:nvPr>
+            <p:ph type="title"/>
+          </p:nvPr>
+        </p:nvSpPr>
+        <p:spPr/>
+        <p:txBody>
+          <a:bodyPr/>
+          <a:lstStyle/>
+          <a:p>
+            <a:endParaRPr lang="en-US"/>
+          </a:p>
+        </p:txBody>
+      </p:sp>
+      <p:sp useBgFill="1">
+        <p:nvSpPr>
+          <p:cNvPr id="9" name="Rectangle 8">
+            <a:extLst>
+              <a:ext uri="{FF2B5EF4-FFF2-40B4-BE49-F238E27FC236}">
+                <a16:creationId xmlns:a16="http://schemas.microsoft.com/office/drawing/2014/main" id="{16F1E085-E75A-BCCE-C413-8A244D1F57CA}"/>
+              </a:ext>
+              <a:ext uri="{C183D7F6-B498-43B3-948B-1728B52AA6E4}">
+                <adec:decorative xmlns:adec="http://schemas.microsoft.com/office/drawing/2017/decorative" val="1"/>
+              </a:ext>
+            </a:extLst>
+          </p:cNvPr>
+          <p:cNvSpPr/>
           <p:nvPr>
             <p:extLst>
               <p:ext uri="{386F3935-93C4-4BCD-93E2-E3B085C9AB24}">
@@ -17859,54 +17882,72 @@
       </p:sp>
       <p:sp>
         <p:nvSpPr>
-          <p:cNvPr id="2" name="Title 1">
+          <p:cNvPr id="11" name="Title 1">
             <a:extLst>
               <a:ext uri="{FF2B5EF4-FFF2-40B4-BE49-F238E27FC236}">
-                <a16:creationId xmlns:a16="http://schemas.microsoft.com/office/drawing/2014/main" id="{519A7239-A50B-8436-7A2A-38C3FC60A349}"/>
+                <a16:creationId xmlns:a16="http://schemas.microsoft.com/office/drawing/2014/main" id="{A85AAD63-A830-2083-DABE-DBB2A1B14D4B}"/>
               </a:ext>
             </a:extLst>
           </p:cNvPr>
-          <p:cNvSpPr>
-            <a:spLocks noGrp="1"/>
+          <p:cNvSpPr txBox="1">
+            <a:spLocks/>
           </p:cNvSpPr>
-          <p:nvPr>
-            <p:ph type="title"/>
-          </p:nvPr>
+          <p:nvPr/>
         </p:nvSpPr>
         <p:spPr>
           <a:xfrm>
             <a:off x="841248" y="256032"/>
             <a:ext cx="10506456" cy="1014984"/>
           </a:xfrm>
+          <a:prstGeom prst="rect">
+            <a:avLst/>
+          </a:prstGeom>
         </p:spPr>
         <p:txBody>
-          <a:bodyPr anchor="b">
+          <a:bodyPr vert="horz" lIns="91440" tIns="45720" rIns="91440" bIns="45720" rtlCol="0" anchor="b">
             <a:normAutofit/>
           </a:bodyPr>
-          <a:lstStyle/>
+          <a:lstStyle>
+            <a:lvl1pPr algn="l" defTabSz="914400" rtl="0" eaLnBrk="1" latinLnBrk="0" hangingPunct="1">
+              <a:lnSpc>
+                <a:spcPct val="90000"/>
+              </a:lnSpc>
+              <a:spcBef>
+                <a:spcPct val="0"/>
+              </a:spcBef>
+              <a:buNone/>
+              <a:defRPr sz="4400" kern="1200">
+                <a:solidFill>
+                  <a:schemeClr val="tx1"/>
+                </a:solidFill>
+                <a:latin typeface="+mj-lt"/>
+                <a:ea typeface="+mj-ea"/>
+                <a:cs typeface="+mj-cs"/>
+              </a:defRPr>
+            </a:lvl1pPr>
+          </a:lstStyle>
           <a:p>
             <a:r>
-              <a:rPr lang="en-US" dirty="0"/>
+              <a:rPr lang="en-US"/>
               <a:t>What after Hackathon?</a:t>
             </a:r>
+            <a:endParaRPr lang="en-US" dirty="0"/>
           </a:p>
         </p:txBody>
       </p:sp>
       <p:sp>
         <p:nvSpPr>
-          <p:cNvPr id="25" name="Rectangle 24">
+          <p:cNvPr id="12" name="Rectangle 11">
             <a:extLst>
               <a:ext uri="{FF2B5EF4-FFF2-40B4-BE49-F238E27FC236}">
-                <a16:creationId xmlns:a16="http://schemas.microsoft.com/office/drawing/2014/main" id="{52D502E5-F6B4-4D58-B4AE-FC466FF15EE8}"/>
+                <a16:creationId xmlns:a16="http://schemas.microsoft.com/office/drawing/2014/main" id="{527069F1-D31E-68F8-90AB-D32045348F66}"/>
               </a:ext>
               <a:ext uri="{C183D7F6-B498-43B3-948B-1728B52AA6E4}">
                 <adec:decorative xmlns:adec="http://schemas.microsoft.com/office/drawing/2017/decorative" val="1"/>
               </a:ext>
             </a:extLst>
           </p:cNvPr>
-          <p:cNvSpPr>
-            <a:spLocks noGrp="1" noRot="1" noChangeAspect="1" noMove="1" noResize="1" noEditPoints="1" noAdjustHandles="1" noChangeArrowheads="1" noChangeShapeType="1" noTextEdit="1"/>
-          </p:cNvSpPr>
+          <p:cNvSpPr/>
           <p:nvPr>
             <p:extLst>
               <p:ext uri="{386F3935-93C4-4BCD-93E2-E3B085C9AB24}">
@@ -17963,19 +18004,17 @@
       </p:sp>
       <p:sp>
         <p:nvSpPr>
-          <p:cNvPr id="27" name="Rectangle 26">
+          <p:cNvPr id="14" name="Rectangle 13">
             <a:extLst>
               <a:ext uri="{FF2B5EF4-FFF2-40B4-BE49-F238E27FC236}">
-                <a16:creationId xmlns:a16="http://schemas.microsoft.com/office/drawing/2014/main" id="{9DECDBF4-02B6-4BB4-B65B-B8107AD6A9E8}"/>
+                <a16:creationId xmlns:a16="http://schemas.microsoft.com/office/drawing/2014/main" id="{A3F2914A-BB41-92F3-201C-3B6C4A707785}"/>
               </a:ext>
               <a:ext uri="{C183D7F6-B498-43B3-948B-1728B52AA6E4}">
                 <adec:decorative xmlns:adec="http://schemas.microsoft.com/office/drawing/2017/decorative" val="1"/>
               </a:ext>
             </a:extLst>
           </p:cNvPr>
-          <p:cNvSpPr>
-            <a:spLocks noGrp="1" noRot="1" noChangeAspect="1" noMove="1" noResize="1" noEditPoints="1" noAdjustHandles="1" noChangeArrowheads="1" noChangeShapeType="1" noTextEdit="1"/>
-          </p:cNvSpPr>
+          <p:cNvSpPr/>
           <p:nvPr>
             <p:extLst>
               <p:ext uri="{386F3935-93C4-4BCD-93E2-E3B085C9AB24}">
@@ -18031,10 +18070,10 @@
       </p:sp>
       <p:grpSp>
         <p:nvGrpSpPr>
-          <p:cNvPr id="3" name="Group 8">
+          <p:cNvPr id="15" name="Group 8">
             <a:extLst>
               <a:ext uri="{FF2B5EF4-FFF2-40B4-BE49-F238E27FC236}">
-                <a16:creationId xmlns:a16="http://schemas.microsoft.com/office/drawing/2014/main" id="{CA2C6CEC-D82D-9AA5-1FAA-646826DBB390}"/>
+                <a16:creationId xmlns:a16="http://schemas.microsoft.com/office/drawing/2014/main" id="{58408BFB-88C1-6F04-8178-87EFC38ED86B}"/>
               </a:ext>
             </a:extLst>
           </p:cNvPr>
@@ -18051,10 +18090,10 @@
         </p:grpSpPr>
         <p:sp>
           <p:nvSpPr>
-            <p:cNvPr id="4" name="TextBox 5">
+            <p:cNvPr id="16" name="TextBox 5">
               <a:extLst>
                 <a:ext uri="{FF2B5EF4-FFF2-40B4-BE49-F238E27FC236}">
-                  <a16:creationId xmlns:a16="http://schemas.microsoft.com/office/drawing/2014/main" id="{9900A5F0-3666-77B0-CC83-CE716430CECB}"/>
+                  <a16:creationId xmlns:a16="http://schemas.microsoft.com/office/drawing/2014/main" id="{EC6F301D-948E-3466-B86B-CDB04D671857}"/>
                 </a:ext>
               </a:extLst>
             </p:cNvPr>
@@ -18178,10 +18217,10 @@
         </p:sp>
         <p:pic>
           <p:nvPicPr>
-            <p:cNvPr id="5" name="Picture 6" descr="Home">
+            <p:cNvPr id="17" name="Picture 6" descr="Home">
               <a:extLst>
                 <a:ext uri="{FF2B5EF4-FFF2-40B4-BE49-F238E27FC236}">
-                  <a16:creationId xmlns:a16="http://schemas.microsoft.com/office/drawing/2014/main" id="{07D91C4F-740F-FF6C-8EA2-61D0BA65CA3B}"/>
+                  <a16:creationId xmlns:a16="http://schemas.microsoft.com/office/drawing/2014/main" id="{77BEC8A8-AE3E-9BD9-7FB1-8C97B14241E2}"/>
                 </a:ext>
               </a:extLst>
             </p:cNvPr>
@@ -18208,10 +18247,10 @@
         </p:pic>
         <p:sp>
           <p:nvSpPr>
-            <p:cNvPr id="6" name="Rectangle 7">
+            <p:cNvPr id="18" name="Rectangle 7">
               <a:extLst>
                 <a:ext uri="{FF2B5EF4-FFF2-40B4-BE49-F238E27FC236}">
-                  <a16:creationId xmlns:a16="http://schemas.microsoft.com/office/drawing/2014/main" id="{14DFF64F-C745-2680-F987-D94A3EAE4FCA}"/>
+                  <a16:creationId xmlns:a16="http://schemas.microsoft.com/office/drawing/2014/main" id="{D4FC3033-8DDC-7592-1BA9-15348DD5EA87}"/>
                 </a:ext>
               </a:extLst>
             </p:cNvPr>
@@ -18274,10 +18313,10 @@
       </p:grpSp>
       <p:sp>
         <p:nvSpPr>
-          <p:cNvPr id="10" name="TextBox 9">
+          <p:cNvPr id="19" name="TextBox 18">
             <a:extLst>
               <a:ext uri="{FF2B5EF4-FFF2-40B4-BE49-F238E27FC236}">
-                <a16:creationId xmlns:a16="http://schemas.microsoft.com/office/drawing/2014/main" id="{C09A4EE0-BFFC-C98B-D1ED-3AD52169401A}"/>
+                <a16:creationId xmlns:a16="http://schemas.microsoft.com/office/drawing/2014/main" id="{E4E4D9AF-41AA-8D95-9921-F40E2B9F36CC}"/>
               </a:ext>
             </a:extLst>
           </p:cNvPr>
@@ -18287,7 +18326,7 @@
         <p:spPr>
           <a:xfrm>
             <a:off x="865952" y="1981200"/>
-            <a:ext cx="8725519" cy="2308324"/>
+            <a:ext cx="4413619" cy="2246769"/>
           </a:xfrm>
           <a:prstGeom prst="rect">
             <a:avLst/>
@@ -18305,42 +18344,44 @@
               <a:buChar char="•"/>
             </a:pPr>
             <a:r>
-              <a:rPr lang="en-US" sz="2400" dirty="0"/>
+              <a:rPr lang="en-US" sz="2000" dirty="0"/>
               <a:t>Deployment:</a:t>
             </a:r>
           </a:p>
           <a:p>
             <a:pPr lvl="1"/>
             <a:r>
-              <a:rPr lang="en-US" sz="2400" dirty="0"/>
-              <a:t>	After hackathon our project is readily available for deployment.</a:t>
-            </a:r>
-          </a:p>
-          <a:p>
-            <a:r>
-              <a:rPr lang="en-US" sz="2400" dirty="0"/>
-              <a:t>	It can be deployed on deployment  service platforms like </a:t>
+              <a:rPr lang="en-US" sz="2000" dirty="0"/>
+              <a:t>	After hackathon our project is readily available for </a:t>
             </a:r>
             <a:r>
-              <a:rPr lang="en-US" sz="2400" dirty="0" err="1"/>
+              <a:rPr lang="en-US" sz="2000" dirty="0" err="1"/>
+              <a:t>deployment.It</a:t>
+            </a:r>
+            <a:r>
+              <a:rPr lang="en-US" sz="2000" dirty="0"/>
+              <a:t> can be deployed on deployment  service platforms like </a:t>
+            </a:r>
+            <a:r>
+              <a:rPr lang="en-US" sz="2000" dirty="0" err="1"/>
               <a:t>Vercel</a:t>
             </a:r>
             <a:r>
-              <a:rPr lang="en-US" sz="2400" dirty="0"/>
+              <a:rPr lang="en-US" sz="2000" dirty="0"/>
               <a:t>, Netlify, etc.</a:t>
             </a:r>
           </a:p>
           <a:p>
-            <a:endParaRPr lang="en-US" sz="2400" dirty="0"/>
+            <a:endParaRPr lang="en-US" sz="2000" dirty="0"/>
           </a:p>
         </p:txBody>
       </p:sp>
       <p:sp>
         <p:nvSpPr>
-          <p:cNvPr id="13" name="TextBox 12">
+          <p:cNvPr id="20" name="TextBox 19">
             <a:extLst>
               <a:ext uri="{FF2B5EF4-FFF2-40B4-BE49-F238E27FC236}">
-                <a16:creationId xmlns:a16="http://schemas.microsoft.com/office/drawing/2014/main" id="{D0448FAF-270B-416B-9298-96CAC38D2E5C}"/>
+                <a16:creationId xmlns:a16="http://schemas.microsoft.com/office/drawing/2014/main" id="{D5AF826D-2B24-94D0-2BB3-26CF0F041446}"/>
               </a:ext>
             </a:extLst>
           </p:cNvPr>
@@ -18349,8 +18390,8 @@
         </p:nvSpPr>
         <p:spPr>
           <a:xfrm>
-            <a:off x="865952" y="4007796"/>
-            <a:ext cx="10009571" cy="1200329"/>
+            <a:off x="865953" y="4007796"/>
+            <a:ext cx="4859934" cy="1323439"/>
           </a:xfrm>
           <a:prstGeom prst="rect">
             <a:avLst/>
@@ -18368,19 +18409,363 @@
               <a:buChar char="•"/>
             </a:pPr>
             <a:r>
-              <a:rPr lang="en-US" sz="2400" dirty="0"/>
+              <a:rPr lang="en-US" sz="2000" dirty="0"/>
               <a:t>Integration with more projects:</a:t>
             </a:r>
           </a:p>
           <a:p>
             <a:pPr lvl="1"/>
             <a:r>
-              <a:rPr lang="en-US" sz="2400" dirty="0"/>
+              <a:rPr lang="en-US" sz="2000" dirty="0"/>
               <a:t>	We can integrate with Plagiarism, Hostel management facility and Library management facility</a:t>
             </a:r>
           </a:p>
         </p:txBody>
       </p:sp>
+      <p:sp>
+        <p:nvSpPr>
+          <p:cNvPr id="21" name="TextBox 20">
+            <a:extLst>
+              <a:ext uri="{FF2B5EF4-FFF2-40B4-BE49-F238E27FC236}">
+                <a16:creationId xmlns:a16="http://schemas.microsoft.com/office/drawing/2014/main" id="{E83AE777-84F9-1461-9258-197BB698FAEB}"/>
+              </a:ext>
+            </a:extLst>
+          </p:cNvPr>
+          <p:cNvSpPr txBox="1"/>
+          <p:nvPr/>
+        </p:nvSpPr>
+        <p:spPr>
+          <a:xfrm>
+            <a:off x="8128084" y="2143709"/>
+            <a:ext cx="1255600" cy="646331"/>
+          </a:xfrm>
+          <a:prstGeom prst="rect">
+            <a:avLst/>
+          </a:prstGeom>
+          <a:noFill/>
+        </p:spPr>
+        <p:txBody>
+          <a:bodyPr wrap="square" rtlCol="0">
+            <a:spAutoFit/>
+          </a:bodyPr>
+          <a:lstStyle/>
+          <a:p>
+            <a:r>
+              <a:rPr lang="en-US" dirty="0" err="1"/>
+              <a:t>Techstack</a:t>
+            </a:r>
+            <a:r>
+              <a:rPr lang="en-US" dirty="0"/>
+              <a:t>:</a:t>
+            </a:r>
+          </a:p>
+          <a:p>
+            <a:pPr marL="285750" indent="-285750">
+              <a:buFont typeface="Arial" panose="020B0604020202020204" pitchFamily="34" charset="0"/>
+              <a:buChar char="•"/>
+            </a:pPr>
+            <a:endParaRPr lang="en-US" dirty="0"/>
+          </a:p>
+        </p:txBody>
+      </p:sp>
+      <p:pic>
+        <p:nvPicPr>
+          <p:cNvPr id="22" name="Picture 21" descr="A screenshot of a phone&#10;&#10;Description automatically generated">
+            <a:extLst>
+              <a:ext uri="{FF2B5EF4-FFF2-40B4-BE49-F238E27FC236}">
+                <a16:creationId xmlns:a16="http://schemas.microsoft.com/office/drawing/2014/main" id="{34C4FA9D-F342-241F-16FA-F7EF13047745}"/>
+              </a:ext>
+            </a:extLst>
+          </p:cNvPr>
+          <p:cNvPicPr>
+            <a:picLocks noChangeAspect="1"/>
+          </p:cNvPicPr>
+          <p:nvPr/>
+        </p:nvPicPr>
+        <p:blipFill>
+          <a:blip r:embed="rId3"/>
+          <a:stretch>
+            <a:fillRect/>
+          </a:stretch>
+        </p:blipFill>
+        <p:spPr>
+          <a:xfrm>
+            <a:off x="7841855" y="1552397"/>
+            <a:ext cx="3359872" cy="3886632"/>
+          </a:xfrm>
+          <a:prstGeom prst="rect">
+            <a:avLst/>
+          </a:prstGeom>
+        </p:spPr>
+      </p:pic>
+      <p:sp>
+        <p:nvSpPr>
+          <p:cNvPr id="24" name="Rectangle 23">
+            <a:extLst>
+              <a:ext uri="{FF2B5EF4-FFF2-40B4-BE49-F238E27FC236}">
+                <a16:creationId xmlns:a16="http://schemas.microsoft.com/office/drawing/2014/main" id="{EB042366-6393-9759-EAC3-EE68E060A35B}"/>
+              </a:ext>
+            </a:extLst>
+          </p:cNvPr>
+          <p:cNvSpPr/>
+          <p:nvPr/>
+        </p:nvSpPr>
+        <p:spPr>
+          <a:xfrm>
+            <a:off x="7921255" y="3016722"/>
+            <a:ext cx="2111829" cy="640102"/>
+          </a:xfrm>
+          <a:prstGeom prst="rect">
+            <a:avLst/>
+          </a:prstGeom>
+          <a:solidFill>
+            <a:schemeClr val="bg1"/>
+          </a:solidFill>
+          <a:ln>
+            <a:noFill/>
+          </a:ln>
+        </p:spPr>
+        <p:style>
+          <a:lnRef idx="2">
+            <a:schemeClr val="accent3"/>
+          </a:lnRef>
+          <a:fillRef idx="1">
+            <a:schemeClr val="lt1"/>
+          </a:fillRef>
+          <a:effectRef idx="0">
+            <a:schemeClr val="accent3"/>
+          </a:effectRef>
+          <a:fontRef idx="minor">
+            <a:schemeClr val="dk1"/>
+          </a:fontRef>
+        </p:style>
+        <p:txBody>
+          <a:bodyPr rtlCol="0" anchor="ctr"/>
+          <a:lstStyle/>
+          <a:p>
+            <a:pPr algn="ctr"/>
+            <a:endParaRPr lang="en-US"/>
+          </a:p>
+        </p:txBody>
+      </p:sp>
+      <p:sp>
+        <p:nvSpPr>
+          <p:cNvPr id="26" name="Rectangle 25">
+            <a:extLst>
+              <a:ext uri="{FF2B5EF4-FFF2-40B4-BE49-F238E27FC236}">
+                <a16:creationId xmlns:a16="http://schemas.microsoft.com/office/drawing/2014/main" id="{1133B409-C5B7-8753-79A5-688712BFA42D}"/>
+              </a:ext>
+            </a:extLst>
+          </p:cNvPr>
+          <p:cNvSpPr/>
+          <p:nvPr/>
+        </p:nvSpPr>
+        <p:spPr>
+          <a:xfrm>
+            <a:off x="10143222" y="1996432"/>
+            <a:ext cx="1058505" cy="793608"/>
+          </a:xfrm>
+          <a:prstGeom prst="rect">
+            <a:avLst/>
+          </a:prstGeom>
+          <a:ln>
+            <a:noFill/>
+          </a:ln>
+        </p:spPr>
+        <p:style>
+          <a:lnRef idx="2">
+            <a:schemeClr val="accent6"/>
+          </a:lnRef>
+          <a:fillRef idx="1">
+            <a:schemeClr val="lt1"/>
+          </a:fillRef>
+          <a:effectRef idx="0">
+            <a:schemeClr val="accent6"/>
+          </a:effectRef>
+          <a:fontRef idx="minor">
+            <a:schemeClr val="dk1"/>
+          </a:fontRef>
+        </p:style>
+        <p:txBody>
+          <a:bodyPr rtlCol="0" anchor="ctr"/>
+          <a:lstStyle/>
+          <a:p>
+            <a:pPr algn="ctr"/>
+            <a:endParaRPr lang="en-US"/>
+          </a:p>
+        </p:txBody>
+      </p:sp>
+      <p:sp>
+        <p:nvSpPr>
+          <p:cNvPr id="28" name="Rectangle 27">
+            <a:extLst>
+              <a:ext uri="{FF2B5EF4-FFF2-40B4-BE49-F238E27FC236}">
+                <a16:creationId xmlns:a16="http://schemas.microsoft.com/office/drawing/2014/main" id="{C605A264-5141-6FB3-E4E2-1831B8DD54CB}"/>
+              </a:ext>
+            </a:extLst>
+          </p:cNvPr>
+          <p:cNvSpPr/>
+          <p:nvPr/>
+        </p:nvSpPr>
+        <p:spPr>
+          <a:xfrm>
+            <a:off x="8023980" y="4383731"/>
+            <a:ext cx="1463808" cy="1055478"/>
+          </a:xfrm>
+          <a:prstGeom prst="rect">
+            <a:avLst/>
+          </a:prstGeom>
+          <a:ln>
+            <a:noFill/>
+          </a:ln>
+        </p:spPr>
+        <p:style>
+          <a:lnRef idx="2">
+            <a:schemeClr val="accent6"/>
+          </a:lnRef>
+          <a:fillRef idx="1">
+            <a:schemeClr val="lt1"/>
+          </a:fillRef>
+          <a:effectRef idx="0">
+            <a:schemeClr val="accent6"/>
+          </a:effectRef>
+          <a:fontRef idx="minor">
+            <a:schemeClr val="dk1"/>
+          </a:fontRef>
+        </p:style>
+        <p:txBody>
+          <a:bodyPr rtlCol="0" anchor="ctr"/>
+          <a:lstStyle/>
+          <a:p>
+            <a:pPr algn="ctr"/>
+            <a:endParaRPr lang="en-US"/>
+          </a:p>
+        </p:txBody>
+      </p:sp>
+      <p:pic>
+        <p:nvPicPr>
+          <p:cNvPr id="29" name="Picture 2" descr="Supabase - YouTube">
+            <a:extLst>
+              <a:ext uri="{FF2B5EF4-FFF2-40B4-BE49-F238E27FC236}">
+                <a16:creationId xmlns:a16="http://schemas.microsoft.com/office/drawing/2014/main" id="{CC939B1E-7064-5D74-DB10-7A3015CA09FE}"/>
+              </a:ext>
+            </a:extLst>
+          </p:cNvPr>
+          <p:cNvPicPr>
+            <a:picLocks noChangeAspect="1" noChangeArrowheads="1"/>
+          </p:cNvPicPr>
+          <p:nvPr/>
+        </p:nvPicPr>
+        <p:blipFill>
+          <a:blip r:embed="rId4">
+            <a:extLst>
+              <a:ext uri="{28A0092B-C50C-407E-A947-70E740481C1C}">
+                <a14:useLocalDpi xmlns:a14="http://schemas.microsoft.com/office/drawing/2010/main" val="0"/>
+              </a:ext>
+            </a:extLst>
+          </a:blip>
+          <a:srcRect/>
+          <a:stretch>
+            <a:fillRect/>
+          </a:stretch>
+        </p:blipFill>
+        <p:spPr bwMode="auto">
+          <a:xfrm>
+            <a:off x="10288770" y="1877083"/>
+            <a:ext cx="912957" cy="912957"/>
+          </a:xfrm>
+          <a:prstGeom prst="rect">
+            <a:avLst/>
+          </a:prstGeom>
+          <a:noFill/>
+          <a:extLst>
+            <a:ext uri="{909E8E84-426E-40DD-AFC4-6F175D3DCCD1}">
+              <a14:hiddenFill xmlns:a14="http://schemas.microsoft.com/office/drawing/2010/main">
+                <a:solidFill>
+                  <a:srgbClr val="FFFFFF"/>
+                </a:solidFill>
+              </a14:hiddenFill>
+            </a:ext>
+          </a:extLst>
+        </p:spPr>
+      </p:pic>
+      <p:pic>
+        <p:nvPicPr>
+          <p:cNvPr id="30" name="Picture 4" descr="Postman icon PNG and SVG Vector Free Download">
+            <a:extLst>
+              <a:ext uri="{FF2B5EF4-FFF2-40B4-BE49-F238E27FC236}">
+                <a16:creationId xmlns:a16="http://schemas.microsoft.com/office/drawing/2014/main" id="{7538D994-D703-4E49-815D-D230021AC832}"/>
+              </a:ext>
+            </a:extLst>
+          </p:cNvPr>
+          <p:cNvPicPr>
+            <a:picLocks noChangeAspect="1" noChangeArrowheads="1"/>
+          </p:cNvPicPr>
+          <p:nvPr/>
+        </p:nvPicPr>
+        <p:blipFill>
+          <a:blip r:embed="rId5">
+            <a:extLst>
+              <a:ext uri="{28A0092B-C50C-407E-A947-70E740481C1C}">
+                <a14:useLocalDpi xmlns:a14="http://schemas.microsoft.com/office/drawing/2010/main" val="0"/>
+              </a:ext>
+            </a:extLst>
+          </a:blip>
+          <a:srcRect/>
+          <a:stretch>
+            <a:fillRect/>
+          </a:stretch>
+        </p:blipFill>
+        <p:spPr bwMode="auto">
+          <a:xfrm>
+            <a:off x="8041935" y="4477856"/>
+            <a:ext cx="912957" cy="912957"/>
+          </a:xfrm>
+          <a:prstGeom prst="rect">
+            <a:avLst/>
+          </a:prstGeom>
+          <a:noFill/>
+          <a:extLst>
+            <a:ext uri="{909E8E84-426E-40DD-AFC4-6F175D3DCCD1}">
+              <a14:hiddenFill xmlns:a14="http://schemas.microsoft.com/office/drawing/2010/main">
+                <a:solidFill>
+                  <a:srgbClr val="FFFFFF"/>
+                </a:solidFill>
+              </a14:hiddenFill>
+            </a:ext>
+          </a:extLst>
+        </p:spPr>
+      </p:pic>
+      <p:pic>
+        <p:nvPicPr>
+          <p:cNvPr id="31" name="Picture 30">
+            <a:extLst>
+              <a:ext uri="{FF2B5EF4-FFF2-40B4-BE49-F238E27FC236}">
+                <a16:creationId xmlns:a16="http://schemas.microsoft.com/office/drawing/2014/main" id="{A39AFA1D-7BE0-664E-C91E-10EF19ECA53F}"/>
+              </a:ext>
+            </a:extLst>
+          </p:cNvPr>
+          <p:cNvPicPr>
+            <a:picLocks noChangeAspect="1"/>
+          </p:cNvPicPr>
+          <p:nvPr/>
+        </p:nvPicPr>
+        <p:blipFill>
+          <a:blip r:embed="rId6"/>
+          <a:stretch>
+            <a:fillRect/>
+          </a:stretch>
+        </p:blipFill>
+        <p:spPr>
+          <a:xfrm>
+            <a:off x="7622534" y="3104584"/>
+            <a:ext cx="2266700" cy="493590"/>
+          </a:xfrm>
+          <a:prstGeom prst="rect">
+            <a:avLst/>
+          </a:prstGeom>
+        </p:spPr>
+      </p:pic>
     </p:spTree>
     <p:extLst>
       <p:ext uri="{BB962C8B-B14F-4D97-AF65-F5344CB8AC3E}">
